--- a/非受控文档/3_杨以恒/UML基础PPT.pptx
+++ b/非受控文档/3_杨以恒/UML基础PPT.pptx
@@ -4782,6 +4782,60 @@
           </a:prstGeom>
         </p:spPr>
       </p:pic>
+      <p:sp>
+        <p:nvSpPr>
+          <p:cNvPr id="20" name="椭圆 19"/>
+          <p:cNvSpPr/>
+          <p:nvPr/>
+        </p:nvSpPr>
+        <p:spPr>
+          <a:xfrm>
+            <a:off x="9239885" y="1911350"/>
+            <a:ext cx="1710690" cy="2353310"/>
+          </a:xfrm>
+          <a:prstGeom prst="ellipse">
+            <a:avLst/>
+          </a:prstGeom>
+          <a:noFill/>
+          <a:ln w="57150">
+            <a:solidFill>
+              <a:srgbClr val="FF0000"/>
+            </a:solidFill>
+          </a:ln>
+          <a:extLst>
+            <a:ext uri="{909E8E84-426E-40DD-AFC4-6F175D3DCCD1}">
+              <a14:hiddenFill xmlns:a14="http://schemas.microsoft.com/office/drawing/2010/main">
+                <a:solidFill>
+                  <a:schemeClr val="accent2"/>
+                </a:solidFill>
+              </a14:hiddenFill>
+            </a:ext>
+          </a:extLst>
+        </p:spPr>
+        <p:style>
+          <a:lnRef idx="2">
+            <a:schemeClr val="accent1">
+              <a:shade val="50000"/>
+            </a:schemeClr>
+          </a:lnRef>
+          <a:fillRef idx="1">
+            <a:schemeClr val="accent1"/>
+          </a:fillRef>
+          <a:effectRef idx="0">
+            <a:schemeClr val="accent1"/>
+          </a:effectRef>
+          <a:fontRef idx="minor">
+            <a:schemeClr val="lt1"/>
+          </a:fontRef>
+        </p:style>
+        <p:txBody>
+          <a:bodyPr rtlCol="0" anchor="ctr"/>
+          <a:p>
+            <a:pPr algn="ctr"/>
+            <a:endParaRPr lang="zh-CN" altLang="en-US"/>
+          </a:p>
+        </p:txBody>
+      </p:sp>
     </p:spTree>
   </p:cSld>
   <p:clrMapOvr>
@@ -5068,6 +5122,60 @@
           </a:prstGeom>
         </p:spPr>
       </p:pic>
+      <p:sp>
+        <p:nvSpPr>
+          <p:cNvPr id="20" name="椭圆 19"/>
+          <p:cNvSpPr/>
+          <p:nvPr/>
+        </p:nvSpPr>
+        <p:spPr>
+          <a:xfrm>
+            <a:off x="2794635" y="2390775"/>
+            <a:ext cx="1492885" cy="2416810"/>
+          </a:xfrm>
+          <a:prstGeom prst="ellipse">
+            <a:avLst/>
+          </a:prstGeom>
+          <a:noFill/>
+          <a:ln w="57150">
+            <a:solidFill>
+              <a:srgbClr val="FF0000"/>
+            </a:solidFill>
+          </a:ln>
+          <a:extLst>
+            <a:ext uri="{909E8E84-426E-40DD-AFC4-6F175D3DCCD1}">
+              <a14:hiddenFill xmlns:a14="http://schemas.microsoft.com/office/drawing/2010/main">
+                <a:solidFill>
+                  <a:schemeClr val="accent2"/>
+                </a:solidFill>
+              </a14:hiddenFill>
+            </a:ext>
+          </a:extLst>
+        </p:spPr>
+        <p:style>
+          <a:lnRef idx="2">
+            <a:schemeClr val="accent1">
+              <a:shade val="50000"/>
+            </a:schemeClr>
+          </a:lnRef>
+          <a:fillRef idx="1">
+            <a:schemeClr val="accent1"/>
+          </a:fillRef>
+          <a:effectRef idx="0">
+            <a:schemeClr val="accent1"/>
+          </a:effectRef>
+          <a:fontRef idx="minor">
+            <a:schemeClr val="lt1"/>
+          </a:fontRef>
+        </p:style>
+        <p:txBody>
+          <a:bodyPr rtlCol="0" anchor="ctr"/>
+          <a:p>
+            <a:pPr algn="ctr"/>
+            <a:endParaRPr lang="zh-CN" altLang="en-US"/>
+          </a:p>
+        </p:txBody>
+      </p:sp>
     </p:spTree>
   </p:cSld>
   <p:clrMapOvr>
@@ -5358,6 +5466,60 @@
           </a:prstGeom>
         </p:spPr>
       </p:pic>
+      <p:sp>
+        <p:nvSpPr>
+          <p:cNvPr id="20" name="椭圆 19"/>
+          <p:cNvSpPr/>
+          <p:nvPr/>
+        </p:nvSpPr>
+        <p:spPr>
+          <a:xfrm>
+            <a:off x="8822690" y="2263775"/>
+            <a:ext cx="1565910" cy="2597785"/>
+          </a:xfrm>
+          <a:prstGeom prst="ellipse">
+            <a:avLst/>
+          </a:prstGeom>
+          <a:noFill/>
+          <a:ln w="57150">
+            <a:solidFill>
+              <a:srgbClr val="FF0000"/>
+            </a:solidFill>
+          </a:ln>
+          <a:extLst>
+            <a:ext uri="{909E8E84-426E-40DD-AFC4-6F175D3DCCD1}">
+              <a14:hiddenFill xmlns:a14="http://schemas.microsoft.com/office/drawing/2010/main">
+                <a:solidFill>
+                  <a:schemeClr val="accent2"/>
+                </a:solidFill>
+              </a14:hiddenFill>
+            </a:ext>
+          </a:extLst>
+        </p:spPr>
+        <p:style>
+          <a:lnRef idx="2">
+            <a:schemeClr val="accent1">
+              <a:shade val="50000"/>
+            </a:schemeClr>
+          </a:lnRef>
+          <a:fillRef idx="1">
+            <a:schemeClr val="accent1"/>
+          </a:fillRef>
+          <a:effectRef idx="0">
+            <a:schemeClr val="accent1"/>
+          </a:effectRef>
+          <a:fontRef idx="minor">
+            <a:schemeClr val="lt1"/>
+          </a:fontRef>
+        </p:style>
+        <p:txBody>
+          <a:bodyPr rtlCol="0" anchor="ctr"/>
+          <a:p>
+            <a:pPr algn="ctr"/>
+            <a:endParaRPr lang="zh-CN" altLang="en-US"/>
+          </a:p>
+        </p:txBody>
+      </p:sp>
     </p:spTree>
   </p:cSld>
   <p:clrMapOvr>
